--- a/slides/slides.pptx
+++ b/slides/slides.pptx
@@ -5,7 +5,7 @@
     <p:sldMasterId id="2147483660" r:id="rId1"/>
   </p:sldMasterIdLst>
   <p:notesMasterIdLst>
-    <p:notesMasterId r:id="rId20"/>
+    <p:notesMasterId r:id="rId21"/>
   </p:notesMasterIdLst>
   <p:sldIdLst>
     <p:sldId id="257" r:id="rId2"/>
@@ -23,9 +23,10 @@
     <p:sldId id="270" r:id="rId14"/>
     <p:sldId id="269" r:id="rId15"/>
     <p:sldId id="271" r:id="rId16"/>
-    <p:sldId id="272" r:id="rId17"/>
-    <p:sldId id="274" r:id="rId18"/>
-    <p:sldId id="273" r:id="rId19"/>
+    <p:sldId id="275" r:id="rId17"/>
+    <p:sldId id="272" r:id="rId18"/>
+    <p:sldId id="274" r:id="rId19"/>
+    <p:sldId id="273" r:id="rId20"/>
   </p:sldIdLst>
   <p:sldSz cx="9144000" cy="6858000" type="screen4x3"/>
   <p:notesSz cx="6858000" cy="9144000"/>
@@ -209,7 +210,7 @@
           <a:p>
             <a:fld id="{C1455A63-6D55-3C48-AE8B-D6B1E1069DF9}" type="datetimeFigureOut">
               <a:rPr lang="en-US" smtClean="0"/>
-              <a:t>16/01/17</a:t>
+              <a:t>20/01/17</a:t>
             </a:fld>
             <a:endParaRPr lang="en-US"/>
           </a:p>
@@ -6322,6 +6323,107 @@
 </p:notes>
 </file>
 
+<file path=ppt/notesSlides/notesSlide17.xml><?xml version="1.0" encoding="utf-8"?>
+<p:notes xmlns:a="http://schemas.openxmlformats.org/drawingml/2006/main" xmlns:r="http://schemas.openxmlformats.org/officeDocument/2006/relationships" xmlns:p="http://schemas.openxmlformats.org/presentationml/2006/main">
+  <p:cSld>
+    <p:spTree>
+      <p:nvGrpSpPr>
+        <p:cNvPr id="1" name=""/>
+        <p:cNvGrpSpPr/>
+        <p:nvPr/>
+      </p:nvGrpSpPr>
+      <p:grpSpPr>
+        <a:xfrm>
+          <a:off x="0" y="0"/>
+          <a:ext cx="0" cy="0"/>
+          <a:chOff x="0" y="0"/>
+          <a:chExt cx="0" cy="0"/>
+        </a:xfrm>
+      </p:grpSpPr>
+      <p:sp>
+        <p:nvSpPr>
+          <p:cNvPr id="2" name="Slide Image Placeholder 1"/>
+          <p:cNvSpPr>
+            <a:spLocks noGrp="1" noRot="1" noChangeAspect="1"/>
+          </p:cNvSpPr>
+          <p:nvPr>
+            <p:ph type="sldImg"/>
+          </p:nvPr>
+        </p:nvSpPr>
+        <p:spPr/>
+      </p:sp>
+      <p:sp>
+        <p:nvSpPr>
+          <p:cNvPr id="3" name="Notes Placeholder 2"/>
+          <p:cNvSpPr>
+            <a:spLocks noGrp="1"/>
+          </p:cNvSpPr>
+          <p:nvPr>
+            <p:ph type="body" idx="1"/>
+          </p:nvPr>
+        </p:nvSpPr>
+        <p:spPr/>
+        <p:txBody>
+          <a:bodyPr/>
+          <a:lstStyle/>
+          <a:p>
+            <a:pPr marL="171450" marR="0" indent="-171450" algn="l" defTabSz="457200" rtl="0" eaLnBrk="1" fontAlgn="auto" latinLnBrk="0" hangingPunct="1">
+              <a:lnSpc>
+                <a:spcPct val="100000"/>
+              </a:lnSpc>
+              <a:spcBef>
+                <a:spcPts val="0"/>
+              </a:spcBef>
+              <a:spcAft>
+                <a:spcPts val="0"/>
+              </a:spcAft>
+              <a:buClrTx/>
+              <a:buSzTx/>
+              <a:buFontTx/>
+              <a:buChar char="-"/>
+              <a:tabLst/>
+              <a:defRPr/>
+            </a:pPr>
+            <a:endParaRPr lang="en-US" dirty="0" smtClean="0"/>
+          </a:p>
+        </p:txBody>
+      </p:sp>
+      <p:sp>
+        <p:nvSpPr>
+          <p:cNvPr id="4" name="Slide Number Placeholder 3"/>
+          <p:cNvSpPr>
+            <a:spLocks noGrp="1"/>
+          </p:cNvSpPr>
+          <p:nvPr>
+            <p:ph type="sldNum" sz="quarter" idx="10"/>
+          </p:nvPr>
+        </p:nvSpPr>
+        <p:spPr/>
+        <p:txBody>
+          <a:bodyPr/>
+          <a:lstStyle/>
+          <a:p>
+            <a:fld id="{737675E0-5563-5E4A-84E6-25B70DCD0A5F}" type="slidenum">
+              <a:rPr lang="en-US" smtClean="0"/>
+              <a:t>19</a:t>
+            </a:fld>
+            <a:endParaRPr lang="en-US"/>
+          </a:p>
+        </p:txBody>
+      </p:sp>
+    </p:spTree>
+    <p:extLst>
+      <p:ext uri="{BB962C8B-B14F-4D97-AF65-F5344CB8AC3E}">
+        <p14:creationId xmlns:p14="http://schemas.microsoft.com/office/powerpoint/2010/main" val="246424278"/>
+      </p:ext>
+    </p:extLst>
+  </p:cSld>
+  <p:clrMapOvr>
+    <a:masterClrMapping/>
+  </p:clrMapOvr>
+</p:notes>
+</file>
+
 <file path=ppt/notesSlides/notesSlide2.xml><?xml version="1.0" encoding="utf-8"?>
 <p:notes xmlns:a="http://schemas.openxmlformats.org/drawingml/2006/main" xmlns:r="http://schemas.openxmlformats.org/officeDocument/2006/relationships" xmlns:p="http://schemas.openxmlformats.org/presentationml/2006/main">
   <p:cSld>
@@ -7752,7 +7854,7 @@
           <a:p>
             <a:fld id="{651A0C47-018D-4460-B945-BFF7981B6CA6}" type="datetimeFigureOut">
               <a:rPr lang="en-US" smtClean="0"/>
-              <a:t>16/01/17</a:t>
+              <a:t>20/01/17</a:t>
             </a:fld>
             <a:endParaRPr lang="en-US"/>
           </a:p>
@@ -8084,7 +8186,7 @@
           <a:p>
             <a:fld id="{651A0C47-018D-4460-B945-BFF7981B6CA6}" type="datetimeFigureOut">
               <a:rPr lang="en-US" smtClean="0"/>
-              <a:t>16/01/17</a:t>
+              <a:t>20/01/17</a:t>
             </a:fld>
             <a:endParaRPr lang="en-US"/>
           </a:p>
@@ -8416,7 +8518,7 @@
           <a:p>
             <a:fld id="{651A0C47-018D-4460-B945-BFF7981B6CA6}" type="datetimeFigureOut">
               <a:rPr lang="en-US" smtClean="0"/>
-              <a:t>16/01/17</a:t>
+              <a:t>20/01/17</a:t>
             </a:fld>
             <a:endParaRPr lang="en-US"/>
           </a:p>
@@ -8748,7 +8850,7 @@
           <a:p>
             <a:fld id="{651A0C47-018D-4460-B945-BFF7981B6CA6}" type="datetimeFigureOut">
               <a:rPr lang="en-US" smtClean="0"/>
-              <a:t>16/01/17</a:t>
+              <a:t>20/01/17</a:t>
             </a:fld>
             <a:endParaRPr lang="en-US"/>
           </a:p>
@@ -9437,7 +9539,7 @@
           <a:p>
             <a:fld id="{651A0C47-018D-4460-B945-BFF7981B6CA6}" type="datetimeFigureOut">
               <a:rPr lang="en-US" smtClean="0"/>
-              <a:t>16/01/17</a:t>
+              <a:t>20/01/17</a:t>
             </a:fld>
             <a:endParaRPr lang="en-US"/>
           </a:p>
@@ -9616,7 +9718,7 @@
           <a:p>
             <a:fld id="{651A0C47-018D-4460-B945-BFF7981B6CA6}" type="datetimeFigureOut">
               <a:rPr lang="en-US" smtClean="0"/>
-              <a:t>16/01/17</a:t>
+              <a:t>20/01/17</a:t>
             </a:fld>
             <a:endParaRPr lang="en-US"/>
           </a:p>
@@ -9790,7 +9892,7 @@
           <a:p>
             <a:fld id="{651A0C47-018D-4460-B945-BFF7981B6CA6}" type="datetimeFigureOut">
               <a:rPr lang="en-US" smtClean="0"/>
-              <a:t>16/01/17</a:t>
+              <a:t>20/01/17</a:t>
             </a:fld>
             <a:endParaRPr lang="en-US"/>
           </a:p>
@@ -10038,7 +10140,7 @@
           <a:p>
             <a:fld id="{651A0C47-018D-4460-B945-BFF7981B6CA6}" type="datetimeFigureOut">
               <a:rPr lang="en-US" smtClean="0"/>
-              <a:t>16/01/17</a:t>
+              <a:t>20/01/17</a:t>
             </a:fld>
             <a:endParaRPr lang="en-US"/>
           </a:p>
@@ -10368,7 +10470,7 @@
           <a:p>
             <a:fld id="{651A0C47-018D-4460-B945-BFF7981B6CA6}" type="datetimeFigureOut">
               <a:rPr lang="en-US" smtClean="0"/>
-              <a:t>16/01/17</a:t>
+              <a:t>20/01/17</a:t>
             </a:fld>
             <a:endParaRPr lang="en-US"/>
           </a:p>
@@ -10660,7 +10762,7 @@
           <a:p>
             <a:fld id="{651A0C47-018D-4460-B945-BFF7981B6CA6}" type="datetimeFigureOut">
               <a:rPr lang="en-US" smtClean="0"/>
-              <a:t>16/01/17</a:t>
+              <a:t>20/01/17</a:t>
             </a:fld>
             <a:endParaRPr lang="en-US"/>
           </a:p>
@@ -11096,7 +11198,7 @@
           <a:p>
             <a:fld id="{651A0C47-018D-4460-B945-BFF7981B6CA6}" type="datetimeFigureOut">
               <a:rPr lang="en-US" smtClean="0"/>
-              <a:t>16/01/17</a:t>
+              <a:t>20/01/17</a:t>
             </a:fld>
             <a:endParaRPr lang="en-US"/>
           </a:p>
@@ -11283,7 +11385,7 @@
           <a:p>
             <a:fld id="{651A0C47-018D-4460-B945-BFF7981B6CA6}" type="datetimeFigureOut">
               <a:rPr lang="en-US" smtClean="0"/>
-              <a:t>16/01/17</a:t>
+              <a:t>20/01/17</a:t>
             </a:fld>
             <a:endParaRPr lang="en-US"/>
           </a:p>
@@ -11373,7 +11475,7 @@
           <a:p>
             <a:fld id="{651A0C47-018D-4460-B945-BFF7981B6CA6}" type="datetimeFigureOut">
               <a:rPr lang="en-US" smtClean="0"/>
-              <a:t>16/01/17</a:t>
+              <a:t>20/01/17</a:t>
             </a:fld>
             <a:endParaRPr lang="en-US"/>
           </a:p>
@@ -11654,7 +11756,7 @@
           <a:p>
             <a:fld id="{651A0C47-018D-4460-B945-BFF7981B6CA6}" type="datetimeFigureOut">
               <a:rPr lang="en-US" smtClean="0"/>
-              <a:t>16/01/17</a:t>
+              <a:t>20/01/17</a:t>
             </a:fld>
             <a:endParaRPr lang="en-US"/>
           </a:p>
@@ -11869,7 +11971,7 @@
           <a:p>
             <a:fld id="{651A0C47-018D-4460-B945-BFF7981B6CA6}" type="datetimeFigureOut">
               <a:rPr lang="en-US" smtClean="0"/>
-              <a:t>16/01/17</a:t>
+              <a:t>20/01/17</a:t>
             </a:fld>
             <a:endParaRPr lang="en-US"/>
           </a:p>
@@ -12943,15 +13045,6 @@
               </a:rPr>
               <a:t>Abstract definition</a:t>
             </a:r>
-            <a:endParaRPr lang="en-US" sz="2200" b="1" dirty="0">
-              <a:effectLst>
-                <a:outerShdw blurRad="50800" dist="50800" dir="5400000" sx="101000" sy="101000" algn="t" rotWithShape="0">
-                  <a:prstClr val="black">
-                    <a:alpha val="40000"/>
-                  </a:prstClr>
-                </a:outerShdw>
-              </a:effectLst>
-            </a:endParaRPr>
           </a:p>
         </p:txBody>
       </p:sp>
@@ -13001,15 +13094,6 @@
               </a:rPr>
               <a:t>definition</a:t>
             </a:r>
-            <a:endParaRPr lang="en-US" sz="2200" b="1" dirty="0">
-              <a:effectLst>
-                <a:outerShdw blurRad="50800" dist="50800" dir="5400000" sx="101000" sy="101000" algn="t" rotWithShape="0">
-                  <a:prstClr val="black">
-                    <a:alpha val="40000"/>
-                  </a:prstClr>
-                </a:outerShdw>
-              </a:effectLst>
-            </a:endParaRPr>
           </a:p>
         </p:txBody>
       </p:sp>
@@ -13168,8 +13252,8 @@
               <a:t>Domain Models and Bounded </a:t>
             </a:r>
             <a:r>
-              <a:rPr lang="en-US" sz="3600" dirty="0" err="1" smtClean="0"/>
-              <a:t>Contextes</a:t>
+              <a:rPr lang="en-US" sz="3600" dirty="0" smtClean="0"/>
+              <a:t>Contexts</a:t>
             </a:r>
             <a:endParaRPr lang="en-US" sz="3600" dirty="0"/>
           </a:p>
@@ -13362,6 +13446,383 @@
   <p:timing>
     <p:tnLst>
       <p:par>
+        <p:cTn xmlns:p14="http://schemas.microsoft.com/office/powerpoint/2010/main" id="1" dur="indefinite" restart="never" nodeType="tmRoot">
+          <p:childTnLst>
+            <p:seq concurrent="1" nextAc="seek">
+              <p:cTn id="2" dur="indefinite" nodeType="mainSeq">
+                <p:childTnLst>
+                  <p:par>
+                    <p:cTn id="3" fill="hold">
+                      <p:stCondLst>
+                        <p:cond delay="indefinite"/>
+                      </p:stCondLst>
+                      <p:childTnLst>
+                        <p:par>
+                          <p:cTn id="4" fill="hold">
+                            <p:stCondLst>
+                              <p:cond delay="0"/>
+                            </p:stCondLst>
+                            <p:childTnLst>
+                              <p:par>
+                                <p:cTn id="5" presetID="1" presetClass="entr" presetSubtype="0" fill="hold" grpId="0" nodeType="clickEffect">
+                                  <p:stCondLst>
+                                    <p:cond delay="0"/>
+                                  </p:stCondLst>
+                                  <p:childTnLst>
+                                    <p:set>
+                                      <p:cBhvr>
+                                        <p:cTn id="6" dur="1" fill="hold">
+                                          <p:stCondLst>
+                                            <p:cond delay="0"/>
+                                          </p:stCondLst>
+                                        </p:cTn>
+                                        <p:tgtEl>
+                                          <p:spTgt spid="3">
+                                            <p:txEl>
+                                              <p:pRg st="0" end="0"/>
+                                            </p:txEl>
+                                          </p:spTgt>
+                                        </p:tgtEl>
+                                        <p:attrNameLst>
+                                          <p:attrName>style.visibility</p:attrName>
+                                        </p:attrNameLst>
+                                      </p:cBhvr>
+                                      <p:to>
+                                        <p:strVal val="visible"/>
+                                      </p:to>
+                                    </p:set>
+                                  </p:childTnLst>
+                                </p:cTn>
+                              </p:par>
+                              <p:par>
+                                <p:cTn id="7" presetID="1" presetClass="entr" presetSubtype="0" fill="hold" grpId="0" nodeType="withEffect">
+                                  <p:stCondLst>
+                                    <p:cond delay="0"/>
+                                  </p:stCondLst>
+                                  <p:childTnLst>
+                                    <p:set>
+                                      <p:cBhvr>
+                                        <p:cTn id="8" dur="1" fill="hold">
+                                          <p:stCondLst>
+                                            <p:cond delay="0"/>
+                                          </p:stCondLst>
+                                        </p:cTn>
+                                        <p:tgtEl>
+                                          <p:spTgt spid="3">
+                                            <p:txEl>
+                                              <p:pRg st="1" end="1"/>
+                                            </p:txEl>
+                                          </p:spTgt>
+                                        </p:tgtEl>
+                                        <p:attrNameLst>
+                                          <p:attrName>style.visibility</p:attrName>
+                                        </p:attrNameLst>
+                                      </p:cBhvr>
+                                      <p:to>
+                                        <p:strVal val="visible"/>
+                                      </p:to>
+                                    </p:set>
+                                  </p:childTnLst>
+                                </p:cTn>
+                              </p:par>
+                              <p:par>
+                                <p:cTn id="9" presetID="1" presetClass="entr" presetSubtype="0" fill="hold" grpId="0" nodeType="withEffect">
+                                  <p:stCondLst>
+                                    <p:cond delay="0"/>
+                                  </p:stCondLst>
+                                  <p:childTnLst>
+                                    <p:set>
+                                      <p:cBhvr>
+                                        <p:cTn id="10" dur="1" fill="hold">
+                                          <p:stCondLst>
+                                            <p:cond delay="0"/>
+                                          </p:stCondLst>
+                                        </p:cTn>
+                                        <p:tgtEl>
+                                          <p:spTgt spid="3">
+                                            <p:txEl>
+                                              <p:pRg st="2" end="2"/>
+                                            </p:txEl>
+                                          </p:spTgt>
+                                        </p:tgtEl>
+                                        <p:attrNameLst>
+                                          <p:attrName>style.visibility</p:attrName>
+                                        </p:attrNameLst>
+                                      </p:cBhvr>
+                                      <p:to>
+                                        <p:strVal val="visible"/>
+                                      </p:to>
+                                    </p:set>
+                                  </p:childTnLst>
+                                </p:cTn>
+                              </p:par>
+                              <p:par>
+                                <p:cTn id="11" presetID="1" presetClass="entr" presetSubtype="0" fill="hold" grpId="0" nodeType="withEffect">
+                                  <p:stCondLst>
+                                    <p:cond delay="0"/>
+                                  </p:stCondLst>
+                                  <p:childTnLst>
+                                    <p:set>
+                                      <p:cBhvr>
+                                        <p:cTn id="12" dur="1" fill="hold">
+                                          <p:stCondLst>
+                                            <p:cond delay="0"/>
+                                          </p:stCondLst>
+                                        </p:cTn>
+                                        <p:tgtEl>
+                                          <p:spTgt spid="3">
+                                            <p:txEl>
+                                              <p:pRg st="3" end="3"/>
+                                            </p:txEl>
+                                          </p:spTgt>
+                                        </p:tgtEl>
+                                        <p:attrNameLst>
+                                          <p:attrName>style.visibility</p:attrName>
+                                        </p:attrNameLst>
+                                      </p:cBhvr>
+                                      <p:to>
+                                        <p:strVal val="visible"/>
+                                      </p:to>
+                                    </p:set>
+                                  </p:childTnLst>
+                                </p:cTn>
+                              </p:par>
+                            </p:childTnLst>
+                          </p:cTn>
+                        </p:par>
+                      </p:childTnLst>
+                    </p:cTn>
+                  </p:par>
+                  <p:par>
+                    <p:cTn id="13" fill="hold">
+                      <p:stCondLst>
+                        <p:cond delay="indefinite"/>
+                      </p:stCondLst>
+                      <p:childTnLst>
+                        <p:par>
+                          <p:cTn id="14" fill="hold">
+                            <p:stCondLst>
+                              <p:cond delay="0"/>
+                            </p:stCondLst>
+                            <p:childTnLst>
+                              <p:par>
+                                <p:cTn id="15" presetID="1" presetClass="entr" presetSubtype="0" fill="hold" grpId="0" nodeType="clickEffect">
+                                  <p:stCondLst>
+                                    <p:cond delay="0"/>
+                                  </p:stCondLst>
+                                  <p:childTnLst>
+                                    <p:set>
+                                      <p:cBhvr>
+                                        <p:cTn id="16" dur="1" fill="hold">
+                                          <p:stCondLst>
+                                            <p:cond delay="0"/>
+                                          </p:stCondLst>
+                                        </p:cTn>
+                                        <p:tgtEl>
+                                          <p:spTgt spid="3">
+                                            <p:txEl>
+                                              <p:pRg st="5" end="5"/>
+                                            </p:txEl>
+                                          </p:spTgt>
+                                        </p:tgtEl>
+                                        <p:attrNameLst>
+                                          <p:attrName>style.visibility</p:attrName>
+                                        </p:attrNameLst>
+                                      </p:cBhvr>
+                                      <p:to>
+                                        <p:strVal val="visible"/>
+                                      </p:to>
+                                    </p:set>
+                                  </p:childTnLst>
+                                </p:cTn>
+                              </p:par>
+                              <p:par>
+                                <p:cTn id="17" presetID="1" presetClass="entr" presetSubtype="0" fill="hold" grpId="0" nodeType="withEffect">
+                                  <p:stCondLst>
+                                    <p:cond delay="0"/>
+                                  </p:stCondLst>
+                                  <p:childTnLst>
+                                    <p:set>
+                                      <p:cBhvr>
+                                        <p:cTn id="18" dur="1" fill="hold">
+                                          <p:stCondLst>
+                                            <p:cond delay="0"/>
+                                          </p:stCondLst>
+                                        </p:cTn>
+                                        <p:tgtEl>
+                                          <p:spTgt spid="3">
+                                            <p:txEl>
+                                              <p:pRg st="6" end="6"/>
+                                            </p:txEl>
+                                          </p:spTgt>
+                                        </p:tgtEl>
+                                        <p:attrNameLst>
+                                          <p:attrName>style.visibility</p:attrName>
+                                        </p:attrNameLst>
+                                      </p:cBhvr>
+                                      <p:to>
+                                        <p:strVal val="visible"/>
+                                      </p:to>
+                                    </p:set>
+                                  </p:childTnLst>
+                                </p:cTn>
+                              </p:par>
+                              <p:par>
+                                <p:cTn id="19" presetID="1" presetClass="entr" presetSubtype="0" fill="hold" grpId="0" nodeType="withEffect">
+                                  <p:stCondLst>
+                                    <p:cond delay="0"/>
+                                  </p:stCondLst>
+                                  <p:childTnLst>
+                                    <p:set>
+                                      <p:cBhvr>
+                                        <p:cTn id="20" dur="1" fill="hold">
+                                          <p:stCondLst>
+                                            <p:cond delay="0"/>
+                                          </p:stCondLst>
+                                        </p:cTn>
+                                        <p:tgtEl>
+                                          <p:spTgt spid="3">
+                                            <p:txEl>
+                                              <p:pRg st="7" end="7"/>
+                                            </p:txEl>
+                                          </p:spTgt>
+                                        </p:tgtEl>
+                                        <p:attrNameLst>
+                                          <p:attrName>style.visibility</p:attrName>
+                                        </p:attrNameLst>
+                                      </p:cBhvr>
+                                      <p:to>
+                                        <p:strVal val="visible"/>
+                                      </p:to>
+                                    </p:set>
+                                  </p:childTnLst>
+                                </p:cTn>
+                              </p:par>
+                              <p:par>
+                                <p:cTn id="21" presetID="1" presetClass="entr" presetSubtype="0" fill="hold" grpId="0" nodeType="withEffect">
+                                  <p:stCondLst>
+                                    <p:cond delay="0"/>
+                                  </p:stCondLst>
+                                  <p:childTnLst>
+                                    <p:set>
+                                      <p:cBhvr>
+                                        <p:cTn id="22" dur="1" fill="hold">
+                                          <p:stCondLst>
+                                            <p:cond delay="0"/>
+                                          </p:stCondLst>
+                                        </p:cTn>
+                                        <p:tgtEl>
+                                          <p:spTgt spid="3">
+                                            <p:txEl>
+                                              <p:pRg st="8" end="8"/>
+                                            </p:txEl>
+                                          </p:spTgt>
+                                        </p:tgtEl>
+                                        <p:attrNameLst>
+                                          <p:attrName>style.visibility</p:attrName>
+                                        </p:attrNameLst>
+                                      </p:cBhvr>
+                                      <p:to>
+                                        <p:strVal val="visible"/>
+                                      </p:to>
+                                    </p:set>
+                                  </p:childTnLst>
+                                </p:cTn>
+                              </p:par>
+                            </p:childTnLst>
+                          </p:cTn>
+                        </p:par>
+                      </p:childTnLst>
+                    </p:cTn>
+                  </p:par>
+                </p:childTnLst>
+              </p:cTn>
+              <p:prevCondLst>
+                <p:cond evt="onPrev" delay="0">
+                  <p:tgtEl>
+                    <p:sldTgt/>
+                  </p:tgtEl>
+                </p:cond>
+              </p:prevCondLst>
+              <p:nextCondLst>
+                <p:cond evt="onNext" delay="0">
+                  <p:tgtEl>
+                    <p:sldTgt/>
+                  </p:tgtEl>
+                </p:cond>
+              </p:nextCondLst>
+            </p:seq>
+          </p:childTnLst>
+        </p:cTn>
+      </p:par>
+    </p:tnLst>
+    <p:bldLst>
+      <p:bldP spid="3" grpId="0" build="p"/>
+    </p:bldLst>
+  </p:timing>
+</p:sld>
+</file>
+
+<file path=ppt/slides/slide15.xml><?xml version="1.0" encoding="utf-8"?>
+<p:sld xmlns:a="http://schemas.openxmlformats.org/drawingml/2006/main" xmlns:r="http://schemas.openxmlformats.org/officeDocument/2006/relationships" xmlns:p="http://schemas.openxmlformats.org/presentationml/2006/main">
+  <p:cSld>
+    <p:spTree>
+      <p:nvGrpSpPr>
+        <p:cNvPr id="1" name=""/>
+        <p:cNvGrpSpPr/>
+        <p:nvPr/>
+      </p:nvGrpSpPr>
+      <p:grpSpPr>
+        <a:xfrm>
+          <a:off x="0" y="0"/>
+          <a:ext cx="0" cy="0"/>
+          <a:chOff x="0" y="0"/>
+          <a:chExt cx="0" cy="0"/>
+        </a:xfrm>
+      </p:grpSpPr>
+      <p:sp>
+        <p:nvSpPr>
+          <p:cNvPr id="2" name="Title 1"/>
+          <p:cNvSpPr>
+            <a:spLocks noGrp="1"/>
+          </p:cNvSpPr>
+          <p:nvPr>
+            <p:ph type="title"/>
+          </p:nvPr>
+        </p:nvSpPr>
+        <p:spPr>
+          <a:xfrm>
+            <a:off x="685800" y="2920502"/>
+            <a:ext cx="7919030" cy="704477"/>
+          </a:xfrm>
+        </p:spPr>
+        <p:txBody>
+          <a:bodyPr>
+            <a:noAutofit/>
+          </a:bodyPr>
+          <a:lstStyle/>
+          <a:p>
+            <a:r>
+              <a:rPr lang="en-US" sz="6600" dirty="0" smtClean="0"/>
+              <a:t>Command Query Responsibility Segregation</a:t>
+            </a:r>
+            <a:endParaRPr lang="en-US" sz="6600" dirty="0"/>
+          </a:p>
+        </p:txBody>
+      </p:sp>
+    </p:spTree>
+    <p:extLst>
+      <p:ext uri="{BB962C8B-B14F-4D97-AF65-F5344CB8AC3E}">
+        <p14:creationId xmlns:p14="http://schemas.microsoft.com/office/powerpoint/2010/main" val="1162196536"/>
+      </p:ext>
+    </p:extLst>
+  </p:cSld>
+  <p:clrMapOvr>
+    <a:masterClrMapping/>
+  </p:clrMapOvr>
+  <p:timing>
+    <p:tnLst>
+      <p:par>
         <p:cTn xmlns:p14="http://schemas.microsoft.com/office/powerpoint/2010/main" id="1" dur="indefinite" restart="never" nodeType="tmRoot"/>
       </p:par>
     </p:tnLst>
@@ -13369,7 +13830,7 @@
 </p:sld>
 </file>
 
-<file path=ppt/slides/slide15.xml><?xml version="1.0" encoding="utf-8"?>
+<file path=ppt/slides/slide16.xml><?xml version="1.0" encoding="utf-8"?>
 <p:sld xmlns:a="http://schemas.openxmlformats.org/drawingml/2006/main" xmlns:r="http://schemas.openxmlformats.org/officeDocument/2006/relationships" xmlns:p="http://schemas.openxmlformats.org/presentationml/2006/main">
   <p:cSld>
     <p:spTree>
@@ -13530,7 +13991,7 @@
     </p:spTree>
     <p:extLst>
       <p:ext uri="{BB962C8B-B14F-4D97-AF65-F5344CB8AC3E}">
-        <p14:creationId xmlns:p14="http://schemas.microsoft.com/office/powerpoint/2010/main" val="1162196536"/>
+        <p14:creationId xmlns:p14="http://schemas.microsoft.com/office/powerpoint/2010/main" val="1318637084"/>
       </p:ext>
     </p:extLst>
   </p:cSld>
@@ -13885,7 +14346,7 @@
 </p:sld>
 </file>
 
-<file path=ppt/slides/slide16.xml><?xml version="1.0" encoding="utf-8"?>
+<file path=ppt/slides/slide17.xml><?xml version="1.0" encoding="utf-8"?>
 <p:sld xmlns:a="http://schemas.openxmlformats.org/drawingml/2006/main" xmlns:r="http://schemas.openxmlformats.org/officeDocument/2006/relationships" xmlns:p="http://schemas.openxmlformats.org/presentationml/2006/main">
   <p:cSld>
     <p:spTree>
@@ -14070,7 +14531,7 @@
 </p:sld>
 </file>
 
-<file path=ppt/slides/slide17.xml><?xml version="1.0" encoding="utf-8"?>
+<file path=ppt/slides/slide18.xml><?xml version="1.0" encoding="utf-8"?>
 <p:sld xmlns:a="http://schemas.openxmlformats.org/drawingml/2006/main" xmlns:r="http://schemas.openxmlformats.org/officeDocument/2006/relationships" xmlns:p="http://schemas.openxmlformats.org/presentationml/2006/main">
   <p:cSld>
     <p:spTree>
@@ -14161,7 +14622,7 @@
 </p:sld>
 </file>
 
-<file path=ppt/slides/slide18.xml><?xml version="1.0" encoding="utf-8"?>
+<file path=ppt/slides/slide19.xml><?xml version="1.0" encoding="utf-8"?>
 <p:sld xmlns:a="http://schemas.openxmlformats.org/drawingml/2006/main" xmlns:r="http://schemas.openxmlformats.org/officeDocument/2006/relationships" xmlns:p="http://schemas.openxmlformats.org/presentationml/2006/main">
   <p:cSld>
     <p:spTree>
@@ -14479,13 +14940,33 @@
           <a:p>
             <a:r>
               <a:rPr lang="en-US" sz="2800" dirty="0" smtClean="0"/>
-              <a:t>Tradeoff between just to do things and to do things right </a:t>
-            </a:r>
-          </a:p>
-          <a:p>
+              <a:t>Tradeoff between </a:t>
+            </a:r>
             <a:r>
               <a:rPr lang="en-US" sz="2800" dirty="0" smtClean="0"/>
-              <a:t>Tackling complexity in the Heart of software</a:t>
+              <a:t>to</a:t>
+            </a:r>
+            <a:r>
+              <a:rPr lang="en-US" sz="2800" dirty="0" smtClean="0"/>
+              <a:t> do </a:t>
+            </a:r>
+            <a:r>
+              <a:rPr lang="en-US" sz="2800" dirty="0" smtClean="0"/>
+              <a:t>things and to do things right </a:t>
+            </a:r>
+          </a:p>
+          <a:p>
+            <a:r>
+              <a:rPr lang="en-US" sz="2800" dirty="0" smtClean="0"/>
+              <a:t>Tackling complexity in the </a:t>
+            </a:r>
+            <a:r>
+              <a:rPr lang="en-US" sz="2800" dirty="0" smtClean="0"/>
+              <a:t>heart </a:t>
+            </a:r>
+            <a:r>
+              <a:rPr lang="en-US" sz="2800" dirty="0" smtClean="0"/>
+              <a:t>of software</a:t>
             </a:r>
           </a:p>
           <a:p>
@@ -14516,9 +14997,231 @@
   <p:timing>
     <p:tnLst>
       <p:par>
-        <p:cTn xmlns:p14="http://schemas.microsoft.com/office/powerpoint/2010/main" id="1" dur="indefinite" restart="never" nodeType="tmRoot"/>
+        <p:cTn xmlns:p14="http://schemas.microsoft.com/office/powerpoint/2010/main" id="1" dur="indefinite" restart="never" nodeType="tmRoot">
+          <p:childTnLst>
+            <p:seq concurrent="1" nextAc="seek">
+              <p:cTn id="2" dur="indefinite" nodeType="mainSeq">
+                <p:childTnLst>
+                  <p:par>
+                    <p:cTn id="3" fill="hold">
+                      <p:stCondLst>
+                        <p:cond delay="indefinite"/>
+                      </p:stCondLst>
+                      <p:childTnLst>
+                        <p:par>
+                          <p:cTn id="4" fill="hold">
+                            <p:stCondLst>
+                              <p:cond delay="0"/>
+                            </p:stCondLst>
+                            <p:childTnLst>
+                              <p:par>
+                                <p:cTn id="5" presetID="1" presetClass="entr" presetSubtype="0" fill="hold" grpId="0" nodeType="clickEffect">
+                                  <p:stCondLst>
+                                    <p:cond delay="0"/>
+                                  </p:stCondLst>
+                                  <p:childTnLst>
+                                    <p:set>
+                                      <p:cBhvr>
+                                        <p:cTn id="6" dur="1" fill="hold">
+                                          <p:stCondLst>
+                                            <p:cond delay="0"/>
+                                          </p:stCondLst>
+                                        </p:cTn>
+                                        <p:tgtEl>
+                                          <p:spTgt spid="3">
+                                            <p:txEl>
+                                              <p:pRg st="1" end="1"/>
+                                            </p:txEl>
+                                          </p:spTgt>
+                                        </p:tgtEl>
+                                        <p:attrNameLst>
+                                          <p:attrName>style.visibility</p:attrName>
+                                        </p:attrNameLst>
+                                      </p:cBhvr>
+                                      <p:to>
+                                        <p:strVal val="visible"/>
+                                      </p:to>
+                                    </p:set>
+                                  </p:childTnLst>
+                                </p:cTn>
+                              </p:par>
+                            </p:childTnLst>
+                          </p:cTn>
+                        </p:par>
+                      </p:childTnLst>
+                    </p:cTn>
+                  </p:par>
+                  <p:par>
+                    <p:cTn id="7" fill="hold">
+                      <p:stCondLst>
+                        <p:cond delay="indefinite"/>
+                      </p:stCondLst>
+                      <p:childTnLst>
+                        <p:par>
+                          <p:cTn id="8" fill="hold">
+                            <p:stCondLst>
+                              <p:cond delay="0"/>
+                            </p:stCondLst>
+                            <p:childTnLst>
+                              <p:par>
+                                <p:cTn id="9" presetID="1" presetClass="entr" presetSubtype="0" fill="hold" grpId="0" nodeType="clickEffect">
+                                  <p:stCondLst>
+                                    <p:cond delay="0"/>
+                                  </p:stCondLst>
+                                  <p:childTnLst>
+                                    <p:set>
+                                      <p:cBhvr>
+                                        <p:cTn id="10" dur="1" fill="hold">
+                                          <p:stCondLst>
+                                            <p:cond delay="0"/>
+                                          </p:stCondLst>
+                                        </p:cTn>
+                                        <p:tgtEl>
+                                          <p:spTgt spid="3">
+                                            <p:txEl>
+                                              <p:pRg st="2" end="2"/>
+                                            </p:txEl>
+                                          </p:spTgt>
+                                        </p:tgtEl>
+                                        <p:attrNameLst>
+                                          <p:attrName>style.visibility</p:attrName>
+                                        </p:attrNameLst>
+                                      </p:cBhvr>
+                                      <p:to>
+                                        <p:strVal val="visible"/>
+                                      </p:to>
+                                    </p:set>
+                                  </p:childTnLst>
+                                </p:cTn>
+                              </p:par>
+                            </p:childTnLst>
+                          </p:cTn>
+                        </p:par>
+                      </p:childTnLst>
+                    </p:cTn>
+                  </p:par>
+                  <p:par>
+                    <p:cTn id="11" fill="hold">
+                      <p:stCondLst>
+                        <p:cond delay="indefinite"/>
+                      </p:stCondLst>
+                      <p:childTnLst>
+                        <p:par>
+                          <p:cTn id="12" fill="hold">
+                            <p:stCondLst>
+                              <p:cond delay="0"/>
+                            </p:stCondLst>
+                            <p:childTnLst>
+                              <p:par>
+                                <p:cTn id="13" presetID="1" presetClass="entr" presetSubtype="0" fill="hold" grpId="0" nodeType="clickEffect">
+                                  <p:stCondLst>
+                                    <p:cond delay="0"/>
+                                  </p:stCondLst>
+                                  <p:childTnLst>
+                                    <p:set>
+                                      <p:cBhvr>
+                                        <p:cTn id="14" dur="1" fill="hold">
+                                          <p:stCondLst>
+                                            <p:cond delay="0"/>
+                                          </p:stCondLst>
+                                        </p:cTn>
+                                        <p:tgtEl>
+                                          <p:spTgt spid="3">
+                                            <p:txEl>
+                                              <p:pRg st="3" end="3"/>
+                                            </p:txEl>
+                                          </p:spTgt>
+                                        </p:tgtEl>
+                                        <p:attrNameLst>
+                                          <p:attrName>style.visibility</p:attrName>
+                                        </p:attrNameLst>
+                                      </p:cBhvr>
+                                      <p:to>
+                                        <p:strVal val="visible"/>
+                                      </p:to>
+                                    </p:set>
+                                  </p:childTnLst>
+                                </p:cTn>
+                              </p:par>
+                            </p:childTnLst>
+                          </p:cTn>
+                        </p:par>
+                      </p:childTnLst>
+                    </p:cTn>
+                  </p:par>
+                  <p:par>
+                    <p:cTn id="15" fill="hold">
+                      <p:stCondLst>
+                        <p:cond delay="indefinite"/>
+                      </p:stCondLst>
+                      <p:childTnLst>
+                        <p:par>
+                          <p:cTn id="16" fill="hold">
+                            <p:stCondLst>
+                              <p:cond delay="0"/>
+                            </p:stCondLst>
+                            <p:childTnLst>
+                              <p:par>
+                                <p:cTn id="17" presetID="1" presetClass="entr" presetSubtype="0" fill="hold" grpId="0" nodeType="clickEffect">
+                                  <p:stCondLst>
+                                    <p:cond delay="0"/>
+                                  </p:stCondLst>
+                                  <p:childTnLst>
+                                    <p:set>
+                                      <p:cBhvr>
+                                        <p:cTn id="18" dur="1" fill="hold">
+                                          <p:stCondLst>
+                                            <p:cond delay="0"/>
+                                          </p:stCondLst>
+                                        </p:cTn>
+                                        <p:tgtEl>
+                                          <p:spTgt spid="3">
+                                            <p:txEl>
+                                              <p:pRg st="4" end="4"/>
+                                            </p:txEl>
+                                          </p:spTgt>
+                                        </p:tgtEl>
+                                        <p:attrNameLst>
+                                          <p:attrName>style.visibility</p:attrName>
+                                        </p:attrNameLst>
+                                      </p:cBhvr>
+                                      <p:to>
+                                        <p:strVal val="visible"/>
+                                      </p:to>
+                                    </p:set>
+                                  </p:childTnLst>
+                                </p:cTn>
+                              </p:par>
+                            </p:childTnLst>
+                          </p:cTn>
+                        </p:par>
+                      </p:childTnLst>
+                    </p:cTn>
+                  </p:par>
+                </p:childTnLst>
+              </p:cTn>
+              <p:prevCondLst>
+                <p:cond evt="onPrev" delay="0">
+                  <p:tgtEl>
+                    <p:sldTgt/>
+                  </p:tgtEl>
+                </p:cond>
+              </p:prevCondLst>
+              <p:nextCondLst>
+                <p:cond evt="onNext" delay="0">
+                  <p:tgtEl>
+                    <p:sldTgt/>
+                  </p:tgtEl>
+                </p:cond>
+              </p:nextCondLst>
+            </p:seq>
+          </p:childTnLst>
+        </p:cTn>
       </p:par>
     </p:tnLst>
+    <p:bldLst>
+      <p:bldP spid="3" grpId="0" build="p"/>
+    </p:bldLst>
   </p:timing>
 </p:sld>
 </file>
@@ -14635,9 +15338,231 @@
   <p:timing>
     <p:tnLst>
       <p:par>
-        <p:cTn xmlns:p14="http://schemas.microsoft.com/office/powerpoint/2010/main" id="1" dur="indefinite" restart="never" nodeType="tmRoot"/>
+        <p:cTn xmlns:p14="http://schemas.microsoft.com/office/powerpoint/2010/main" id="1" dur="indefinite" restart="never" nodeType="tmRoot">
+          <p:childTnLst>
+            <p:seq concurrent="1" nextAc="seek">
+              <p:cTn id="2" dur="indefinite" nodeType="mainSeq">
+                <p:childTnLst>
+                  <p:par>
+                    <p:cTn id="3" fill="hold">
+                      <p:stCondLst>
+                        <p:cond delay="indefinite"/>
+                      </p:stCondLst>
+                      <p:childTnLst>
+                        <p:par>
+                          <p:cTn id="4" fill="hold">
+                            <p:stCondLst>
+                              <p:cond delay="0"/>
+                            </p:stCondLst>
+                            <p:childTnLst>
+                              <p:par>
+                                <p:cTn id="5" presetID="1" presetClass="entr" presetSubtype="0" fill="hold" grpId="0" nodeType="clickEffect">
+                                  <p:stCondLst>
+                                    <p:cond delay="0"/>
+                                  </p:stCondLst>
+                                  <p:childTnLst>
+                                    <p:set>
+                                      <p:cBhvr>
+                                        <p:cTn id="6" dur="1" fill="hold">
+                                          <p:stCondLst>
+                                            <p:cond delay="0"/>
+                                          </p:stCondLst>
+                                        </p:cTn>
+                                        <p:tgtEl>
+                                          <p:spTgt spid="3">
+                                            <p:txEl>
+                                              <p:pRg st="1" end="1"/>
+                                            </p:txEl>
+                                          </p:spTgt>
+                                        </p:tgtEl>
+                                        <p:attrNameLst>
+                                          <p:attrName>style.visibility</p:attrName>
+                                        </p:attrNameLst>
+                                      </p:cBhvr>
+                                      <p:to>
+                                        <p:strVal val="visible"/>
+                                      </p:to>
+                                    </p:set>
+                                  </p:childTnLst>
+                                </p:cTn>
+                              </p:par>
+                            </p:childTnLst>
+                          </p:cTn>
+                        </p:par>
+                      </p:childTnLst>
+                    </p:cTn>
+                  </p:par>
+                  <p:par>
+                    <p:cTn id="7" fill="hold">
+                      <p:stCondLst>
+                        <p:cond delay="indefinite"/>
+                      </p:stCondLst>
+                      <p:childTnLst>
+                        <p:par>
+                          <p:cTn id="8" fill="hold">
+                            <p:stCondLst>
+                              <p:cond delay="0"/>
+                            </p:stCondLst>
+                            <p:childTnLst>
+                              <p:par>
+                                <p:cTn id="9" presetID="1" presetClass="entr" presetSubtype="0" fill="hold" grpId="0" nodeType="clickEffect">
+                                  <p:stCondLst>
+                                    <p:cond delay="0"/>
+                                  </p:stCondLst>
+                                  <p:childTnLst>
+                                    <p:set>
+                                      <p:cBhvr>
+                                        <p:cTn id="10" dur="1" fill="hold">
+                                          <p:stCondLst>
+                                            <p:cond delay="0"/>
+                                          </p:stCondLst>
+                                        </p:cTn>
+                                        <p:tgtEl>
+                                          <p:spTgt spid="3">
+                                            <p:txEl>
+                                              <p:pRg st="2" end="2"/>
+                                            </p:txEl>
+                                          </p:spTgt>
+                                        </p:tgtEl>
+                                        <p:attrNameLst>
+                                          <p:attrName>style.visibility</p:attrName>
+                                        </p:attrNameLst>
+                                      </p:cBhvr>
+                                      <p:to>
+                                        <p:strVal val="visible"/>
+                                      </p:to>
+                                    </p:set>
+                                  </p:childTnLst>
+                                </p:cTn>
+                              </p:par>
+                            </p:childTnLst>
+                          </p:cTn>
+                        </p:par>
+                      </p:childTnLst>
+                    </p:cTn>
+                  </p:par>
+                  <p:par>
+                    <p:cTn id="11" fill="hold">
+                      <p:stCondLst>
+                        <p:cond delay="indefinite"/>
+                      </p:stCondLst>
+                      <p:childTnLst>
+                        <p:par>
+                          <p:cTn id="12" fill="hold">
+                            <p:stCondLst>
+                              <p:cond delay="0"/>
+                            </p:stCondLst>
+                            <p:childTnLst>
+                              <p:par>
+                                <p:cTn id="13" presetID="1" presetClass="entr" presetSubtype="0" fill="hold" grpId="0" nodeType="clickEffect">
+                                  <p:stCondLst>
+                                    <p:cond delay="0"/>
+                                  </p:stCondLst>
+                                  <p:childTnLst>
+                                    <p:set>
+                                      <p:cBhvr>
+                                        <p:cTn id="14" dur="1" fill="hold">
+                                          <p:stCondLst>
+                                            <p:cond delay="0"/>
+                                          </p:stCondLst>
+                                        </p:cTn>
+                                        <p:tgtEl>
+                                          <p:spTgt spid="3">
+                                            <p:txEl>
+                                              <p:pRg st="3" end="3"/>
+                                            </p:txEl>
+                                          </p:spTgt>
+                                        </p:tgtEl>
+                                        <p:attrNameLst>
+                                          <p:attrName>style.visibility</p:attrName>
+                                        </p:attrNameLst>
+                                      </p:cBhvr>
+                                      <p:to>
+                                        <p:strVal val="visible"/>
+                                      </p:to>
+                                    </p:set>
+                                  </p:childTnLst>
+                                </p:cTn>
+                              </p:par>
+                            </p:childTnLst>
+                          </p:cTn>
+                        </p:par>
+                      </p:childTnLst>
+                    </p:cTn>
+                  </p:par>
+                  <p:par>
+                    <p:cTn id="15" fill="hold">
+                      <p:stCondLst>
+                        <p:cond delay="indefinite"/>
+                      </p:stCondLst>
+                      <p:childTnLst>
+                        <p:par>
+                          <p:cTn id="16" fill="hold">
+                            <p:stCondLst>
+                              <p:cond delay="0"/>
+                            </p:stCondLst>
+                            <p:childTnLst>
+                              <p:par>
+                                <p:cTn id="17" presetID="1" presetClass="entr" presetSubtype="0" fill="hold" grpId="0" nodeType="clickEffect">
+                                  <p:stCondLst>
+                                    <p:cond delay="0"/>
+                                  </p:stCondLst>
+                                  <p:childTnLst>
+                                    <p:set>
+                                      <p:cBhvr>
+                                        <p:cTn id="18" dur="1" fill="hold">
+                                          <p:stCondLst>
+                                            <p:cond delay="0"/>
+                                          </p:stCondLst>
+                                        </p:cTn>
+                                        <p:tgtEl>
+                                          <p:spTgt spid="3">
+                                            <p:txEl>
+                                              <p:pRg st="4" end="4"/>
+                                            </p:txEl>
+                                          </p:spTgt>
+                                        </p:tgtEl>
+                                        <p:attrNameLst>
+                                          <p:attrName>style.visibility</p:attrName>
+                                        </p:attrNameLst>
+                                      </p:cBhvr>
+                                      <p:to>
+                                        <p:strVal val="visible"/>
+                                      </p:to>
+                                    </p:set>
+                                  </p:childTnLst>
+                                </p:cTn>
+                              </p:par>
+                            </p:childTnLst>
+                          </p:cTn>
+                        </p:par>
+                      </p:childTnLst>
+                    </p:cTn>
+                  </p:par>
+                </p:childTnLst>
+              </p:cTn>
+              <p:prevCondLst>
+                <p:cond evt="onPrev" delay="0">
+                  <p:tgtEl>
+                    <p:sldTgt/>
+                  </p:tgtEl>
+                </p:cond>
+              </p:prevCondLst>
+              <p:nextCondLst>
+                <p:cond evt="onNext" delay="0">
+                  <p:tgtEl>
+                    <p:sldTgt/>
+                  </p:tgtEl>
+                </p:cond>
+              </p:nextCondLst>
+            </p:seq>
+          </p:childTnLst>
+        </p:cTn>
       </p:par>
     </p:tnLst>
+    <p:bldLst>
+      <p:bldP spid="3" grpId="0" build="p"/>
+    </p:bldLst>
   </p:timing>
 </p:sld>
 </file>
@@ -14754,9 +15679,231 @@
   <p:timing>
     <p:tnLst>
       <p:par>
-        <p:cTn xmlns:p14="http://schemas.microsoft.com/office/powerpoint/2010/main" id="1" dur="indefinite" restart="never" nodeType="tmRoot"/>
+        <p:cTn xmlns:p14="http://schemas.microsoft.com/office/powerpoint/2010/main" id="1" dur="indefinite" restart="never" nodeType="tmRoot">
+          <p:childTnLst>
+            <p:seq concurrent="1" nextAc="seek">
+              <p:cTn id="2" dur="indefinite" nodeType="mainSeq">
+                <p:childTnLst>
+                  <p:par>
+                    <p:cTn id="3" fill="hold">
+                      <p:stCondLst>
+                        <p:cond delay="indefinite"/>
+                      </p:stCondLst>
+                      <p:childTnLst>
+                        <p:par>
+                          <p:cTn id="4" fill="hold">
+                            <p:stCondLst>
+                              <p:cond delay="0"/>
+                            </p:stCondLst>
+                            <p:childTnLst>
+                              <p:par>
+                                <p:cTn id="5" presetID="1" presetClass="entr" presetSubtype="0" fill="hold" grpId="0" nodeType="clickEffect">
+                                  <p:stCondLst>
+                                    <p:cond delay="0"/>
+                                  </p:stCondLst>
+                                  <p:childTnLst>
+                                    <p:set>
+                                      <p:cBhvr>
+                                        <p:cTn id="6" dur="1" fill="hold">
+                                          <p:stCondLst>
+                                            <p:cond delay="0"/>
+                                          </p:stCondLst>
+                                        </p:cTn>
+                                        <p:tgtEl>
+                                          <p:spTgt spid="3">
+                                            <p:txEl>
+                                              <p:pRg st="1" end="1"/>
+                                            </p:txEl>
+                                          </p:spTgt>
+                                        </p:tgtEl>
+                                        <p:attrNameLst>
+                                          <p:attrName>style.visibility</p:attrName>
+                                        </p:attrNameLst>
+                                      </p:cBhvr>
+                                      <p:to>
+                                        <p:strVal val="visible"/>
+                                      </p:to>
+                                    </p:set>
+                                  </p:childTnLst>
+                                </p:cTn>
+                              </p:par>
+                            </p:childTnLst>
+                          </p:cTn>
+                        </p:par>
+                      </p:childTnLst>
+                    </p:cTn>
+                  </p:par>
+                  <p:par>
+                    <p:cTn id="7" fill="hold">
+                      <p:stCondLst>
+                        <p:cond delay="indefinite"/>
+                      </p:stCondLst>
+                      <p:childTnLst>
+                        <p:par>
+                          <p:cTn id="8" fill="hold">
+                            <p:stCondLst>
+                              <p:cond delay="0"/>
+                            </p:stCondLst>
+                            <p:childTnLst>
+                              <p:par>
+                                <p:cTn id="9" presetID="1" presetClass="entr" presetSubtype="0" fill="hold" grpId="0" nodeType="clickEffect">
+                                  <p:stCondLst>
+                                    <p:cond delay="0"/>
+                                  </p:stCondLst>
+                                  <p:childTnLst>
+                                    <p:set>
+                                      <p:cBhvr>
+                                        <p:cTn id="10" dur="1" fill="hold">
+                                          <p:stCondLst>
+                                            <p:cond delay="0"/>
+                                          </p:stCondLst>
+                                        </p:cTn>
+                                        <p:tgtEl>
+                                          <p:spTgt spid="3">
+                                            <p:txEl>
+                                              <p:pRg st="2" end="2"/>
+                                            </p:txEl>
+                                          </p:spTgt>
+                                        </p:tgtEl>
+                                        <p:attrNameLst>
+                                          <p:attrName>style.visibility</p:attrName>
+                                        </p:attrNameLst>
+                                      </p:cBhvr>
+                                      <p:to>
+                                        <p:strVal val="visible"/>
+                                      </p:to>
+                                    </p:set>
+                                  </p:childTnLst>
+                                </p:cTn>
+                              </p:par>
+                            </p:childTnLst>
+                          </p:cTn>
+                        </p:par>
+                      </p:childTnLst>
+                    </p:cTn>
+                  </p:par>
+                  <p:par>
+                    <p:cTn id="11" fill="hold">
+                      <p:stCondLst>
+                        <p:cond delay="indefinite"/>
+                      </p:stCondLst>
+                      <p:childTnLst>
+                        <p:par>
+                          <p:cTn id="12" fill="hold">
+                            <p:stCondLst>
+                              <p:cond delay="0"/>
+                            </p:stCondLst>
+                            <p:childTnLst>
+                              <p:par>
+                                <p:cTn id="13" presetID="1" presetClass="entr" presetSubtype="0" fill="hold" grpId="0" nodeType="clickEffect">
+                                  <p:stCondLst>
+                                    <p:cond delay="0"/>
+                                  </p:stCondLst>
+                                  <p:childTnLst>
+                                    <p:set>
+                                      <p:cBhvr>
+                                        <p:cTn id="14" dur="1" fill="hold">
+                                          <p:stCondLst>
+                                            <p:cond delay="0"/>
+                                          </p:stCondLst>
+                                        </p:cTn>
+                                        <p:tgtEl>
+                                          <p:spTgt spid="3">
+                                            <p:txEl>
+                                              <p:pRg st="3" end="3"/>
+                                            </p:txEl>
+                                          </p:spTgt>
+                                        </p:tgtEl>
+                                        <p:attrNameLst>
+                                          <p:attrName>style.visibility</p:attrName>
+                                        </p:attrNameLst>
+                                      </p:cBhvr>
+                                      <p:to>
+                                        <p:strVal val="visible"/>
+                                      </p:to>
+                                    </p:set>
+                                  </p:childTnLst>
+                                </p:cTn>
+                              </p:par>
+                            </p:childTnLst>
+                          </p:cTn>
+                        </p:par>
+                      </p:childTnLst>
+                    </p:cTn>
+                  </p:par>
+                  <p:par>
+                    <p:cTn id="15" fill="hold">
+                      <p:stCondLst>
+                        <p:cond delay="indefinite"/>
+                      </p:stCondLst>
+                      <p:childTnLst>
+                        <p:par>
+                          <p:cTn id="16" fill="hold">
+                            <p:stCondLst>
+                              <p:cond delay="0"/>
+                            </p:stCondLst>
+                            <p:childTnLst>
+                              <p:par>
+                                <p:cTn id="17" presetID="1" presetClass="entr" presetSubtype="0" fill="hold" grpId="0" nodeType="clickEffect">
+                                  <p:stCondLst>
+                                    <p:cond delay="0"/>
+                                  </p:stCondLst>
+                                  <p:childTnLst>
+                                    <p:set>
+                                      <p:cBhvr>
+                                        <p:cTn id="18" dur="1" fill="hold">
+                                          <p:stCondLst>
+                                            <p:cond delay="0"/>
+                                          </p:stCondLst>
+                                        </p:cTn>
+                                        <p:tgtEl>
+                                          <p:spTgt spid="3">
+                                            <p:txEl>
+                                              <p:pRg st="4" end="4"/>
+                                            </p:txEl>
+                                          </p:spTgt>
+                                        </p:tgtEl>
+                                        <p:attrNameLst>
+                                          <p:attrName>style.visibility</p:attrName>
+                                        </p:attrNameLst>
+                                      </p:cBhvr>
+                                      <p:to>
+                                        <p:strVal val="visible"/>
+                                      </p:to>
+                                    </p:set>
+                                  </p:childTnLst>
+                                </p:cTn>
+                              </p:par>
+                            </p:childTnLst>
+                          </p:cTn>
+                        </p:par>
+                      </p:childTnLst>
+                    </p:cTn>
+                  </p:par>
+                </p:childTnLst>
+              </p:cTn>
+              <p:prevCondLst>
+                <p:cond evt="onPrev" delay="0">
+                  <p:tgtEl>
+                    <p:sldTgt/>
+                  </p:tgtEl>
+                </p:cond>
+              </p:prevCondLst>
+              <p:nextCondLst>
+                <p:cond evt="onNext" delay="0">
+                  <p:tgtEl>
+                    <p:sldTgt/>
+                  </p:tgtEl>
+                </p:cond>
+              </p:nextCondLst>
+            </p:seq>
+          </p:childTnLst>
+        </p:cTn>
       </p:par>
     </p:tnLst>
+    <p:bldLst>
+      <p:bldP spid="3" grpId="0" build="p"/>
+    </p:bldLst>
   </p:timing>
 </p:sld>
 </file>
@@ -14872,9 +16019,182 @@
   <p:timing>
     <p:tnLst>
       <p:par>
-        <p:cTn xmlns:p14="http://schemas.microsoft.com/office/powerpoint/2010/main" id="1" dur="indefinite" restart="never" nodeType="tmRoot"/>
+        <p:cTn xmlns:p14="http://schemas.microsoft.com/office/powerpoint/2010/main" id="1" dur="indefinite" restart="never" nodeType="tmRoot">
+          <p:childTnLst>
+            <p:seq concurrent="1" nextAc="seek">
+              <p:cTn id="2" dur="indefinite" nodeType="mainSeq">
+                <p:childTnLst>
+                  <p:par>
+                    <p:cTn id="3" fill="hold">
+                      <p:stCondLst>
+                        <p:cond delay="indefinite"/>
+                      </p:stCondLst>
+                      <p:childTnLst>
+                        <p:par>
+                          <p:cTn id="4" fill="hold">
+                            <p:stCondLst>
+                              <p:cond delay="0"/>
+                            </p:stCondLst>
+                            <p:childTnLst>
+                              <p:par>
+                                <p:cTn id="5" presetID="1" presetClass="entr" presetSubtype="0" fill="hold" grpId="0" nodeType="clickEffect">
+                                  <p:stCondLst>
+                                    <p:cond delay="0"/>
+                                  </p:stCondLst>
+                                  <p:childTnLst>
+                                    <p:set>
+                                      <p:cBhvr>
+                                        <p:cTn id="6" dur="1" fill="hold">
+                                          <p:stCondLst>
+                                            <p:cond delay="0"/>
+                                          </p:stCondLst>
+                                        </p:cTn>
+                                        <p:tgtEl>
+                                          <p:spTgt spid="3">
+                                            <p:txEl>
+                                              <p:pRg st="1" end="1"/>
+                                            </p:txEl>
+                                          </p:spTgt>
+                                        </p:tgtEl>
+                                        <p:attrNameLst>
+                                          <p:attrName>style.visibility</p:attrName>
+                                        </p:attrNameLst>
+                                      </p:cBhvr>
+                                      <p:to>
+                                        <p:strVal val="visible"/>
+                                      </p:to>
+                                    </p:set>
+                                  </p:childTnLst>
+                                </p:cTn>
+                              </p:par>
+                            </p:childTnLst>
+                          </p:cTn>
+                        </p:par>
+                      </p:childTnLst>
+                    </p:cTn>
+                  </p:par>
+                  <p:par>
+                    <p:cTn id="7" fill="hold">
+                      <p:stCondLst>
+                        <p:cond delay="indefinite"/>
+                      </p:stCondLst>
+                      <p:childTnLst>
+                        <p:par>
+                          <p:cTn id="8" fill="hold">
+                            <p:stCondLst>
+                              <p:cond delay="0"/>
+                            </p:stCondLst>
+                            <p:childTnLst>
+                              <p:par>
+                                <p:cTn id="9" presetID="1" presetClass="entr" presetSubtype="0" fill="hold" grpId="0" nodeType="clickEffect">
+                                  <p:stCondLst>
+                                    <p:cond delay="0"/>
+                                  </p:stCondLst>
+                                  <p:childTnLst>
+                                    <p:set>
+                                      <p:cBhvr>
+                                        <p:cTn id="10" dur="1" fill="hold">
+                                          <p:stCondLst>
+                                            <p:cond delay="0"/>
+                                          </p:stCondLst>
+                                        </p:cTn>
+                                        <p:tgtEl>
+                                          <p:spTgt spid="3">
+                                            <p:txEl>
+                                              <p:pRg st="3" end="3"/>
+                                            </p:txEl>
+                                          </p:spTgt>
+                                        </p:tgtEl>
+                                        <p:attrNameLst>
+                                          <p:attrName>style.visibility</p:attrName>
+                                        </p:attrNameLst>
+                                      </p:cBhvr>
+                                      <p:to>
+                                        <p:strVal val="visible"/>
+                                      </p:to>
+                                    </p:set>
+                                  </p:childTnLst>
+                                </p:cTn>
+                              </p:par>
+                            </p:childTnLst>
+                          </p:cTn>
+                        </p:par>
+                      </p:childTnLst>
+                    </p:cTn>
+                  </p:par>
+                  <p:par>
+                    <p:cTn id="11" fill="hold">
+                      <p:stCondLst>
+                        <p:cond delay="indefinite"/>
+                      </p:stCondLst>
+                      <p:childTnLst>
+                        <p:par>
+                          <p:cTn id="12" fill="hold">
+                            <p:stCondLst>
+                              <p:cond delay="0"/>
+                            </p:stCondLst>
+                            <p:childTnLst>
+                              <p:par>
+                                <p:cTn id="13" presetID="1" presetClass="entr" presetSubtype="0" fill="hold" grpId="0" nodeType="clickEffect">
+                                  <p:stCondLst>
+                                    <p:cond delay="0"/>
+                                  </p:stCondLst>
+                                  <p:childTnLst>
+                                    <p:set>
+                                      <p:cBhvr>
+                                        <p:cTn id="14" dur="1" fill="hold">
+                                          <p:stCondLst>
+                                            <p:cond delay="0"/>
+                                          </p:stCondLst>
+                                        </p:cTn>
+                                        <p:tgtEl>
+                                          <p:spTgt spid="3">
+                                            <p:txEl>
+                                              <p:pRg st="5" end="5"/>
+                                            </p:txEl>
+                                          </p:spTgt>
+                                        </p:tgtEl>
+                                        <p:attrNameLst>
+                                          <p:attrName>style.visibility</p:attrName>
+                                        </p:attrNameLst>
+                                      </p:cBhvr>
+                                      <p:to>
+                                        <p:strVal val="visible"/>
+                                      </p:to>
+                                    </p:set>
+                                  </p:childTnLst>
+                                </p:cTn>
+                              </p:par>
+                            </p:childTnLst>
+                          </p:cTn>
+                        </p:par>
+                      </p:childTnLst>
+                    </p:cTn>
+                  </p:par>
+                </p:childTnLst>
+              </p:cTn>
+              <p:prevCondLst>
+                <p:cond evt="onPrev" delay="0">
+                  <p:tgtEl>
+                    <p:sldTgt/>
+                  </p:tgtEl>
+                </p:cond>
+              </p:prevCondLst>
+              <p:nextCondLst>
+                <p:cond evt="onNext" delay="0">
+                  <p:tgtEl>
+                    <p:sldTgt/>
+                  </p:tgtEl>
+                </p:cond>
+              </p:nextCondLst>
+            </p:seq>
+          </p:childTnLst>
+        </p:cTn>
       </p:par>
     </p:tnLst>
+    <p:bldLst>
+      <p:bldP spid="3" grpId="0" build="p"/>
+    </p:bldLst>
   </p:timing>
 </p:sld>
 </file>
@@ -15002,9 +16322,329 @@
   <p:timing>
     <p:tnLst>
       <p:par>
-        <p:cTn xmlns:p14="http://schemas.microsoft.com/office/powerpoint/2010/main" id="1" dur="indefinite" restart="never" nodeType="tmRoot"/>
+        <p:cTn xmlns:p14="http://schemas.microsoft.com/office/powerpoint/2010/main" id="1" dur="indefinite" restart="never" nodeType="tmRoot">
+          <p:childTnLst>
+            <p:seq concurrent="1" nextAc="seek">
+              <p:cTn id="2" dur="indefinite" nodeType="mainSeq">
+                <p:childTnLst>
+                  <p:par>
+                    <p:cTn id="3" fill="hold">
+                      <p:stCondLst>
+                        <p:cond delay="indefinite"/>
+                      </p:stCondLst>
+                      <p:childTnLst>
+                        <p:par>
+                          <p:cTn id="4" fill="hold">
+                            <p:stCondLst>
+                              <p:cond delay="0"/>
+                            </p:stCondLst>
+                            <p:childTnLst>
+                              <p:par>
+                                <p:cTn id="5" presetID="1" presetClass="entr" presetSubtype="0" fill="hold" grpId="0" nodeType="clickEffect">
+                                  <p:stCondLst>
+                                    <p:cond delay="0"/>
+                                  </p:stCondLst>
+                                  <p:childTnLst>
+                                    <p:set>
+                                      <p:cBhvr>
+                                        <p:cTn id="6" dur="1" fill="hold">
+                                          <p:stCondLst>
+                                            <p:cond delay="0"/>
+                                          </p:stCondLst>
+                                        </p:cTn>
+                                        <p:tgtEl>
+                                          <p:spTgt spid="3">
+                                            <p:txEl>
+                                              <p:pRg st="1" end="1"/>
+                                            </p:txEl>
+                                          </p:spTgt>
+                                        </p:tgtEl>
+                                        <p:attrNameLst>
+                                          <p:attrName>style.visibility</p:attrName>
+                                        </p:attrNameLst>
+                                      </p:cBhvr>
+                                      <p:to>
+                                        <p:strVal val="visible"/>
+                                      </p:to>
+                                    </p:set>
+                                  </p:childTnLst>
+                                </p:cTn>
+                              </p:par>
+                            </p:childTnLst>
+                          </p:cTn>
+                        </p:par>
+                      </p:childTnLst>
+                    </p:cTn>
+                  </p:par>
+                  <p:par>
+                    <p:cTn id="7" fill="hold">
+                      <p:stCondLst>
+                        <p:cond delay="indefinite"/>
+                      </p:stCondLst>
+                      <p:childTnLst>
+                        <p:par>
+                          <p:cTn id="8" fill="hold">
+                            <p:stCondLst>
+                              <p:cond delay="0"/>
+                            </p:stCondLst>
+                            <p:childTnLst>
+                              <p:par>
+                                <p:cTn id="9" presetID="1" presetClass="entr" presetSubtype="0" fill="hold" grpId="0" nodeType="clickEffect">
+                                  <p:stCondLst>
+                                    <p:cond delay="0"/>
+                                  </p:stCondLst>
+                                  <p:childTnLst>
+                                    <p:set>
+                                      <p:cBhvr>
+                                        <p:cTn id="10" dur="1" fill="hold">
+                                          <p:stCondLst>
+                                            <p:cond delay="0"/>
+                                          </p:stCondLst>
+                                        </p:cTn>
+                                        <p:tgtEl>
+                                          <p:spTgt spid="3">
+                                            <p:txEl>
+                                              <p:pRg st="2" end="2"/>
+                                            </p:txEl>
+                                          </p:spTgt>
+                                        </p:tgtEl>
+                                        <p:attrNameLst>
+                                          <p:attrName>style.visibility</p:attrName>
+                                        </p:attrNameLst>
+                                      </p:cBhvr>
+                                      <p:to>
+                                        <p:strVal val="visible"/>
+                                      </p:to>
+                                    </p:set>
+                                  </p:childTnLst>
+                                </p:cTn>
+                              </p:par>
+                            </p:childTnLst>
+                          </p:cTn>
+                        </p:par>
+                      </p:childTnLst>
+                    </p:cTn>
+                  </p:par>
+                  <p:par>
+                    <p:cTn id="11" fill="hold">
+                      <p:stCondLst>
+                        <p:cond delay="indefinite"/>
+                      </p:stCondLst>
+                      <p:childTnLst>
+                        <p:par>
+                          <p:cTn id="12" fill="hold">
+                            <p:stCondLst>
+                              <p:cond delay="0"/>
+                            </p:stCondLst>
+                            <p:childTnLst>
+                              <p:par>
+                                <p:cTn id="13" presetID="1" presetClass="entr" presetSubtype="0" fill="hold" grpId="0" nodeType="clickEffect">
+                                  <p:stCondLst>
+                                    <p:cond delay="0"/>
+                                  </p:stCondLst>
+                                  <p:childTnLst>
+                                    <p:set>
+                                      <p:cBhvr>
+                                        <p:cTn id="14" dur="1" fill="hold">
+                                          <p:stCondLst>
+                                            <p:cond delay="0"/>
+                                          </p:stCondLst>
+                                        </p:cTn>
+                                        <p:tgtEl>
+                                          <p:spTgt spid="3">
+                                            <p:txEl>
+                                              <p:pRg st="3" end="3"/>
+                                            </p:txEl>
+                                          </p:spTgt>
+                                        </p:tgtEl>
+                                        <p:attrNameLst>
+                                          <p:attrName>style.visibility</p:attrName>
+                                        </p:attrNameLst>
+                                      </p:cBhvr>
+                                      <p:to>
+                                        <p:strVal val="visible"/>
+                                      </p:to>
+                                    </p:set>
+                                  </p:childTnLst>
+                                </p:cTn>
+                              </p:par>
+                            </p:childTnLst>
+                          </p:cTn>
+                        </p:par>
+                      </p:childTnLst>
+                    </p:cTn>
+                  </p:par>
+                  <p:par>
+                    <p:cTn id="15" fill="hold">
+                      <p:stCondLst>
+                        <p:cond delay="indefinite"/>
+                      </p:stCondLst>
+                      <p:childTnLst>
+                        <p:par>
+                          <p:cTn id="16" fill="hold">
+                            <p:stCondLst>
+                              <p:cond delay="0"/>
+                            </p:stCondLst>
+                            <p:childTnLst>
+                              <p:par>
+                                <p:cTn id="17" presetID="1" presetClass="entr" presetSubtype="0" fill="hold" grpId="0" nodeType="clickEffect">
+                                  <p:stCondLst>
+                                    <p:cond delay="0"/>
+                                  </p:stCondLst>
+                                  <p:childTnLst>
+                                    <p:set>
+                                      <p:cBhvr>
+                                        <p:cTn id="18" dur="1" fill="hold">
+                                          <p:stCondLst>
+                                            <p:cond delay="0"/>
+                                          </p:stCondLst>
+                                        </p:cTn>
+                                        <p:tgtEl>
+                                          <p:spTgt spid="3">
+                                            <p:txEl>
+                                              <p:pRg st="4" end="4"/>
+                                            </p:txEl>
+                                          </p:spTgt>
+                                        </p:tgtEl>
+                                        <p:attrNameLst>
+                                          <p:attrName>style.visibility</p:attrName>
+                                        </p:attrNameLst>
+                                      </p:cBhvr>
+                                      <p:to>
+                                        <p:strVal val="visible"/>
+                                      </p:to>
+                                    </p:set>
+                                  </p:childTnLst>
+                                </p:cTn>
+                              </p:par>
+                            </p:childTnLst>
+                          </p:cTn>
+                        </p:par>
+                      </p:childTnLst>
+                    </p:cTn>
+                  </p:par>
+                  <p:par>
+                    <p:cTn id="19" fill="hold">
+                      <p:stCondLst>
+                        <p:cond delay="indefinite"/>
+                      </p:stCondLst>
+                      <p:childTnLst>
+                        <p:par>
+                          <p:cTn id="20" fill="hold">
+                            <p:stCondLst>
+                              <p:cond delay="0"/>
+                            </p:stCondLst>
+                            <p:childTnLst>
+                              <p:par>
+                                <p:cTn id="21" presetID="1" presetClass="entr" presetSubtype="0" fill="hold" grpId="0" nodeType="clickEffect">
+                                  <p:stCondLst>
+                                    <p:cond delay="0"/>
+                                  </p:stCondLst>
+                                  <p:childTnLst>
+                                    <p:set>
+                                      <p:cBhvr>
+                                        <p:cTn id="22" dur="1" fill="hold">
+                                          <p:stCondLst>
+                                            <p:cond delay="0"/>
+                                          </p:stCondLst>
+                                        </p:cTn>
+                                        <p:tgtEl>
+                                          <p:spTgt spid="3">
+                                            <p:txEl>
+                                              <p:pRg st="5" end="5"/>
+                                            </p:txEl>
+                                          </p:spTgt>
+                                        </p:tgtEl>
+                                        <p:attrNameLst>
+                                          <p:attrName>style.visibility</p:attrName>
+                                        </p:attrNameLst>
+                                      </p:cBhvr>
+                                      <p:to>
+                                        <p:strVal val="visible"/>
+                                      </p:to>
+                                    </p:set>
+                                  </p:childTnLst>
+                                </p:cTn>
+                              </p:par>
+                            </p:childTnLst>
+                          </p:cTn>
+                        </p:par>
+                      </p:childTnLst>
+                    </p:cTn>
+                  </p:par>
+                  <p:par>
+                    <p:cTn id="23" fill="hold">
+                      <p:stCondLst>
+                        <p:cond delay="indefinite"/>
+                      </p:stCondLst>
+                      <p:childTnLst>
+                        <p:par>
+                          <p:cTn id="24" fill="hold">
+                            <p:stCondLst>
+                              <p:cond delay="0"/>
+                            </p:stCondLst>
+                            <p:childTnLst>
+                              <p:par>
+                                <p:cTn id="25" presetID="1" presetClass="entr" presetSubtype="0" fill="hold" grpId="0" nodeType="clickEffect">
+                                  <p:stCondLst>
+                                    <p:cond delay="0"/>
+                                  </p:stCondLst>
+                                  <p:childTnLst>
+                                    <p:set>
+                                      <p:cBhvr>
+                                        <p:cTn id="26" dur="1" fill="hold">
+                                          <p:stCondLst>
+                                            <p:cond delay="0"/>
+                                          </p:stCondLst>
+                                        </p:cTn>
+                                        <p:tgtEl>
+                                          <p:spTgt spid="3">
+                                            <p:txEl>
+                                              <p:pRg st="6" end="6"/>
+                                            </p:txEl>
+                                          </p:spTgt>
+                                        </p:tgtEl>
+                                        <p:attrNameLst>
+                                          <p:attrName>style.visibility</p:attrName>
+                                        </p:attrNameLst>
+                                      </p:cBhvr>
+                                      <p:to>
+                                        <p:strVal val="visible"/>
+                                      </p:to>
+                                    </p:set>
+                                  </p:childTnLst>
+                                </p:cTn>
+                              </p:par>
+                            </p:childTnLst>
+                          </p:cTn>
+                        </p:par>
+                      </p:childTnLst>
+                    </p:cTn>
+                  </p:par>
+                </p:childTnLst>
+              </p:cTn>
+              <p:prevCondLst>
+                <p:cond evt="onPrev" delay="0">
+                  <p:tgtEl>
+                    <p:sldTgt/>
+                  </p:tgtEl>
+                </p:cond>
+              </p:prevCondLst>
+              <p:nextCondLst>
+                <p:cond evt="onNext" delay="0">
+                  <p:tgtEl>
+                    <p:sldTgt/>
+                  </p:tgtEl>
+                </p:cond>
+              </p:nextCondLst>
+            </p:seq>
+          </p:childTnLst>
+        </p:cTn>
       </p:par>
     </p:tnLst>
+    <p:bldLst>
+      <p:bldP spid="3" grpId="0" build="p"/>
+    </p:bldLst>
   </p:timing>
 </p:sld>
 </file>
@@ -15529,9 +17169,182 @@
   <p:timing>
     <p:tnLst>
       <p:par>
-        <p:cTn xmlns:p14="http://schemas.microsoft.com/office/powerpoint/2010/main" id="1" dur="indefinite" restart="never" nodeType="tmRoot"/>
+        <p:cTn xmlns:p14="http://schemas.microsoft.com/office/powerpoint/2010/main" id="1" dur="indefinite" restart="never" nodeType="tmRoot">
+          <p:childTnLst>
+            <p:seq concurrent="1" nextAc="seek">
+              <p:cTn id="2" dur="indefinite" nodeType="mainSeq">
+                <p:childTnLst>
+                  <p:par>
+                    <p:cTn id="3" fill="hold">
+                      <p:stCondLst>
+                        <p:cond delay="indefinite"/>
+                      </p:stCondLst>
+                      <p:childTnLst>
+                        <p:par>
+                          <p:cTn id="4" fill="hold">
+                            <p:stCondLst>
+                              <p:cond delay="0"/>
+                            </p:stCondLst>
+                            <p:childTnLst>
+                              <p:par>
+                                <p:cTn id="5" presetID="1" presetClass="entr" presetSubtype="0" fill="hold" grpId="0" nodeType="clickEffect">
+                                  <p:stCondLst>
+                                    <p:cond delay="0"/>
+                                  </p:stCondLst>
+                                  <p:childTnLst>
+                                    <p:set>
+                                      <p:cBhvr>
+                                        <p:cTn id="6" dur="1" fill="hold">
+                                          <p:stCondLst>
+                                            <p:cond delay="0"/>
+                                          </p:stCondLst>
+                                        </p:cTn>
+                                        <p:tgtEl>
+                                          <p:spTgt spid="3">
+                                            <p:txEl>
+                                              <p:pRg st="1" end="1"/>
+                                            </p:txEl>
+                                          </p:spTgt>
+                                        </p:tgtEl>
+                                        <p:attrNameLst>
+                                          <p:attrName>style.visibility</p:attrName>
+                                        </p:attrNameLst>
+                                      </p:cBhvr>
+                                      <p:to>
+                                        <p:strVal val="visible"/>
+                                      </p:to>
+                                    </p:set>
+                                  </p:childTnLst>
+                                </p:cTn>
+                              </p:par>
+                            </p:childTnLst>
+                          </p:cTn>
+                        </p:par>
+                      </p:childTnLst>
+                    </p:cTn>
+                  </p:par>
+                  <p:par>
+                    <p:cTn id="7" fill="hold">
+                      <p:stCondLst>
+                        <p:cond delay="indefinite"/>
+                      </p:stCondLst>
+                      <p:childTnLst>
+                        <p:par>
+                          <p:cTn id="8" fill="hold">
+                            <p:stCondLst>
+                              <p:cond delay="0"/>
+                            </p:stCondLst>
+                            <p:childTnLst>
+                              <p:par>
+                                <p:cTn id="9" presetID="1" presetClass="entr" presetSubtype="0" fill="hold" grpId="0" nodeType="clickEffect">
+                                  <p:stCondLst>
+                                    <p:cond delay="0"/>
+                                  </p:stCondLst>
+                                  <p:childTnLst>
+                                    <p:set>
+                                      <p:cBhvr>
+                                        <p:cTn id="10" dur="1" fill="hold">
+                                          <p:stCondLst>
+                                            <p:cond delay="0"/>
+                                          </p:stCondLst>
+                                        </p:cTn>
+                                        <p:tgtEl>
+                                          <p:spTgt spid="3">
+                                            <p:txEl>
+                                              <p:pRg st="2" end="2"/>
+                                            </p:txEl>
+                                          </p:spTgt>
+                                        </p:tgtEl>
+                                        <p:attrNameLst>
+                                          <p:attrName>style.visibility</p:attrName>
+                                        </p:attrNameLst>
+                                      </p:cBhvr>
+                                      <p:to>
+                                        <p:strVal val="visible"/>
+                                      </p:to>
+                                    </p:set>
+                                  </p:childTnLst>
+                                </p:cTn>
+                              </p:par>
+                            </p:childTnLst>
+                          </p:cTn>
+                        </p:par>
+                      </p:childTnLst>
+                    </p:cTn>
+                  </p:par>
+                  <p:par>
+                    <p:cTn id="11" fill="hold">
+                      <p:stCondLst>
+                        <p:cond delay="indefinite"/>
+                      </p:stCondLst>
+                      <p:childTnLst>
+                        <p:par>
+                          <p:cTn id="12" fill="hold">
+                            <p:stCondLst>
+                              <p:cond delay="0"/>
+                            </p:stCondLst>
+                            <p:childTnLst>
+                              <p:par>
+                                <p:cTn id="13" presetID="1" presetClass="entr" presetSubtype="0" fill="hold" grpId="0" nodeType="clickEffect">
+                                  <p:stCondLst>
+                                    <p:cond delay="0"/>
+                                  </p:stCondLst>
+                                  <p:childTnLst>
+                                    <p:set>
+                                      <p:cBhvr>
+                                        <p:cTn id="14" dur="1" fill="hold">
+                                          <p:stCondLst>
+                                            <p:cond delay="0"/>
+                                          </p:stCondLst>
+                                        </p:cTn>
+                                        <p:tgtEl>
+                                          <p:spTgt spid="3">
+                                            <p:txEl>
+                                              <p:pRg st="3" end="3"/>
+                                            </p:txEl>
+                                          </p:spTgt>
+                                        </p:tgtEl>
+                                        <p:attrNameLst>
+                                          <p:attrName>style.visibility</p:attrName>
+                                        </p:attrNameLst>
+                                      </p:cBhvr>
+                                      <p:to>
+                                        <p:strVal val="visible"/>
+                                      </p:to>
+                                    </p:set>
+                                  </p:childTnLst>
+                                </p:cTn>
+                              </p:par>
+                            </p:childTnLst>
+                          </p:cTn>
+                        </p:par>
+                      </p:childTnLst>
+                    </p:cTn>
+                  </p:par>
+                </p:childTnLst>
+              </p:cTn>
+              <p:prevCondLst>
+                <p:cond evt="onPrev" delay="0">
+                  <p:tgtEl>
+                    <p:sldTgt/>
+                  </p:tgtEl>
+                </p:cond>
+              </p:prevCondLst>
+              <p:nextCondLst>
+                <p:cond evt="onNext" delay="0">
+                  <p:tgtEl>
+                    <p:sldTgt/>
+                  </p:tgtEl>
+                </p:cond>
+              </p:nextCondLst>
+            </p:seq>
+          </p:childTnLst>
+        </p:cTn>
       </p:par>
     </p:tnLst>
+    <p:bldLst>
+      <p:bldP spid="3" grpId="0" build="p"/>
+    </p:bldLst>
   </p:timing>
 </p:sld>
 </file>
